--- a/STUDYVERSE.pptx
+++ b/STUDYVERSE.pptx
@@ -4713,8 +4713,8 @@
         </p:nvSpPr>
         <p:spPr>
           <a:xfrm>
-            <a:off x="1042737" y="1674674"/>
-            <a:ext cx="9865895" cy="2062103"/>
+            <a:off x="1291472" y="335845"/>
+            <a:ext cx="8682087" cy="6309420"/>
           </a:xfrm>
           <a:prstGeom prst="rect">
             <a:avLst/>
@@ -4731,9 +4731,23 @@
               <a:buNone/>
             </a:pPr>
             <a:r>
-              <a:rPr lang="en-IN" sz="2200" b="1" dirty="0"/>
-              <a:t>Tech Stack</a:t>
-            </a:r>
+              <a:rPr lang="en-IN" sz="2600" b="1" dirty="0"/>
+              <a:t>Tech Stack (Detailed Overview)</a:t>
+            </a:r>
+          </a:p>
+          <a:p>
+            <a:pPr>
+              <a:buNone/>
+            </a:pPr>
+            <a:r>
+              <a:rPr lang="en-IN" dirty="0"/>
+              <a:t>🖥️ </a:t>
+            </a:r>
+            <a:r>
+              <a:rPr lang="en-IN" b="1" dirty="0"/>
+              <a:t>Frontend – React.js</a:t>
+            </a:r>
+            <a:endParaRPr lang="en-IN" dirty="0"/>
           </a:p>
           <a:p>
             <a:pPr>
@@ -4741,12 +4755,8 @@
               <a:buChar char="•"/>
             </a:pPr>
             <a:r>
-              <a:rPr lang="en-IN" sz="2200" b="1" dirty="0"/>
-              <a:t>Frontend:</a:t>
-            </a:r>
-            <a:r>
-              <a:rPr lang="en-IN" sz="2200" dirty="0"/>
-              <a:t> React.js (Responsive UI, SPA)</a:t>
+              <a:rPr lang="en-IN" dirty="0"/>
+              <a:t>Developed a responsive and dynamic Single Page Application (SPA)</a:t>
             </a:r>
           </a:p>
           <a:p>
@@ -4755,12 +4765,8 @@
               <a:buChar char="•"/>
             </a:pPr>
             <a:r>
-              <a:rPr lang="en-IN" sz="2200" b="1" dirty="0"/>
-              <a:t>Backend:</a:t>
-            </a:r>
-            <a:r>
-              <a:rPr lang="en-IN" sz="2200" dirty="0"/>
-              <a:t> Node.js + Express.js (REST APIs)</a:t>
+              <a:rPr lang="en-IN" dirty="0"/>
+              <a:t>Utilized component-based architecture for modularity and reusability</a:t>
             </a:r>
           </a:p>
           <a:p>
@@ -4769,13 +4775,14 @@
               <a:buChar char="•"/>
             </a:pPr>
             <a:r>
-              <a:rPr lang="en-IN" sz="2200" b="1" dirty="0"/>
-              <a:t>Database:</a:t>
-            </a:r>
-            <a:r>
-              <a:rPr lang="en-IN" sz="2200" dirty="0"/>
-              <a:t> MongoDB (NoSQL, flexible schema)</a:t>
-            </a:r>
+              <a:rPr lang="en-IN" dirty="0"/>
+              <a:t>Implemented state management using </a:t>
+            </a:r>
+            <a:r>
+              <a:rPr lang="en-IN" b="1" dirty="0"/>
+              <a:t>React Hooks</a:t>
+            </a:r>
+            <a:endParaRPr lang="en-IN" dirty="0"/>
           </a:p>
           <a:p>
             <a:pPr>
@@ -4783,12 +4790,203 @@
               <a:buChar char="•"/>
             </a:pPr>
             <a:r>
-              <a:rPr lang="en-IN" sz="2200" b="1" dirty="0"/>
-              <a:t>Other Tools:</a:t>
-            </a:r>
-            <a:r>
-              <a:rPr lang="en-IN" sz="2200" dirty="0"/>
-              <a:t> Git, GitHub, Postman, JWT/Auth</a:t>
+              <a:rPr lang="en-IN" dirty="0"/>
+              <a:t>Ensured responsive design across desktop and mobile using </a:t>
+            </a:r>
+            <a:r>
+              <a:rPr lang="en-IN" b="1" dirty="0"/>
+              <a:t>CSS Flexbox/Media Queries/Bootstrap/Tailwind</a:t>
+            </a:r>
+            <a:r>
+              <a:rPr lang="en-IN" dirty="0"/>
+              <a:t> (mention which one you used)</a:t>
+            </a:r>
+          </a:p>
+          <a:p>
+            <a:pPr>
+              <a:buNone/>
+            </a:pPr>
+            <a:r>
+              <a:rPr lang="en-IN" dirty="0"/>
+              <a:t>🧠 </a:t>
+            </a:r>
+            <a:r>
+              <a:rPr lang="en-IN" b="1" dirty="0"/>
+              <a:t>Backend – Node.js &amp; Express.js</a:t>
+            </a:r>
+            <a:endParaRPr lang="en-IN" dirty="0"/>
+          </a:p>
+          <a:p>
+            <a:pPr>
+              <a:buFont typeface="Arial" panose="020B0604020202020204" pitchFamily="34" charset="0"/>
+              <a:buChar char="•"/>
+            </a:pPr>
+            <a:r>
+              <a:rPr lang="en-IN" dirty="0"/>
+              <a:t>Built a RESTful API using </a:t>
+            </a:r>
+            <a:r>
+              <a:rPr lang="en-IN" b="1" dirty="0"/>
+              <a:t>Express.js</a:t>
+            </a:r>
+            <a:endParaRPr lang="en-IN" dirty="0"/>
+          </a:p>
+          <a:p>
+            <a:pPr>
+              <a:buFont typeface="Arial" panose="020B0604020202020204" pitchFamily="34" charset="0"/>
+              <a:buChar char="•"/>
+            </a:pPr>
+            <a:r>
+              <a:rPr lang="en-IN" dirty="0"/>
+              <a:t>Handled routing, middleware, and business logic on the server side</a:t>
+            </a:r>
+          </a:p>
+          <a:p>
+            <a:pPr>
+              <a:buFont typeface="Arial" panose="020B0604020202020204" pitchFamily="34" charset="0"/>
+              <a:buChar char="•"/>
+            </a:pPr>
+            <a:r>
+              <a:rPr lang="en-IN" dirty="0"/>
+              <a:t>Used </a:t>
+            </a:r>
+            <a:r>
+              <a:rPr lang="en-IN" b="1" dirty="0"/>
+              <a:t>Node.js</a:t>
+            </a:r>
+            <a:r>
+              <a:rPr lang="en-IN" dirty="0"/>
+              <a:t> for asynchronous, event-driven architecture to support high concurrency</a:t>
+            </a:r>
+          </a:p>
+          <a:p>
+            <a:pPr>
+              <a:buNone/>
+            </a:pPr>
+            <a:r>
+              <a:rPr lang="en-IN" dirty="0"/>
+              <a:t>🗃️ </a:t>
+            </a:r>
+            <a:r>
+              <a:rPr lang="en-IN" b="1" dirty="0"/>
+              <a:t>Database – MongoDB</a:t>
+            </a:r>
+            <a:endParaRPr lang="en-IN" dirty="0"/>
+          </a:p>
+          <a:p>
+            <a:pPr>
+              <a:buFont typeface="Arial" panose="020B0604020202020204" pitchFamily="34" charset="0"/>
+              <a:buChar char="•"/>
+            </a:pPr>
+            <a:r>
+              <a:rPr lang="en-IN" dirty="0"/>
+              <a:t>NoSQL document-based database for storing users, courses, discussions, and quiz results</a:t>
+            </a:r>
+          </a:p>
+          <a:p>
+            <a:pPr>
+              <a:buFont typeface="Arial" panose="020B0604020202020204" pitchFamily="34" charset="0"/>
+              <a:buChar char="•"/>
+            </a:pPr>
+            <a:r>
+              <a:rPr lang="en-IN" dirty="0"/>
+              <a:t>Enabled flexible schema design using </a:t>
+            </a:r>
+            <a:r>
+              <a:rPr lang="en-IN" b="1" dirty="0"/>
+              <a:t>Mongoose</a:t>
+            </a:r>
+            <a:r>
+              <a:rPr lang="en-IN" dirty="0"/>
+              <a:t> ODM</a:t>
+            </a:r>
+          </a:p>
+          <a:p>
+            <a:pPr>
+              <a:buFont typeface="Arial" panose="020B0604020202020204" pitchFamily="34" charset="0"/>
+              <a:buChar char="•"/>
+            </a:pPr>
+            <a:r>
+              <a:rPr lang="en-IN" dirty="0"/>
+              <a:t>Easily scalable to accommodate growing data and users</a:t>
+            </a:r>
+          </a:p>
+          <a:p>
+            <a:pPr>
+              <a:buNone/>
+            </a:pPr>
+            <a:r>
+              <a:rPr lang="en-IN" dirty="0"/>
+              <a:t>🛠️ </a:t>
+            </a:r>
+            <a:r>
+              <a:rPr lang="en-IN" b="1" dirty="0"/>
+              <a:t>Other Tools &amp; Technologies</a:t>
+            </a:r>
+            <a:endParaRPr lang="en-IN" dirty="0"/>
+          </a:p>
+          <a:p>
+            <a:pPr>
+              <a:buFont typeface="Arial" panose="020B0604020202020204" pitchFamily="34" charset="0"/>
+              <a:buChar char="•"/>
+            </a:pPr>
+            <a:r>
+              <a:rPr lang="en-IN" b="1" dirty="0"/>
+              <a:t>JWT (JSON Web Tokens):</a:t>
+            </a:r>
+            <a:r>
+              <a:rPr lang="en-IN" dirty="0"/>
+              <a:t> Secured user authentication and protected routes</a:t>
+            </a:r>
+          </a:p>
+          <a:p>
+            <a:pPr>
+              <a:buFont typeface="Arial" panose="020B0604020202020204" pitchFamily="34" charset="0"/>
+              <a:buChar char="•"/>
+            </a:pPr>
+            <a:r>
+              <a:rPr lang="en-IN" b="1" dirty="0"/>
+              <a:t>Postman:</a:t>
+            </a:r>
+            <a:r>
+              <a:rPr lang="en-IN" dirty="0"/>
+              <a:t> API testing and debugging</a:t>
+            </a:r>
+          </a:p>
+          <a:p>
+            <a:pPr>
+              <a:buFont typeface="Arial" panose="020B0604020202020204" pitchFamily="34" charset="0"/>
+              <a:buChar char="•"/>
+            </a:pPr>
+            <a:r>
+              <a:rPr lang="en-IN" b="1" dirty="0"/>
+              <a:t>Git &amp; GitHub:</a:t>
+            </a:r>
+            <a:r>
+              <a:rPr lang="en-IN" dirty="0"/>
+              <a:t> Version control and collaborative development</a:t>
+            </a:r>
+          </a:p>
+          <a:p>
+            <a:pPr>
+              <a:buFont typeface="Arial" panose="020B0604020202020204" pitchFamily="34" charset="0"/>
+              <a:buChar char="•"/>
+            </a:pPr>
+            <a:r>
+              <a:rPr lang="en-IN" b="1" dirty="0"/>
+              <a:t>Cloud Deployment Tools:</a:t>
+            </a:r>
+            <a:r>
+              <a:rPr lang="en-IN" dirty="0"/>
+              <a:t> (e.g., Render, </a:t>
+            </a:r>
+            <a:r>
+              <a:rPr lang="en-IN" dirty="0" err="1"/>
+              <a:t>Vercel</a:t>
+            </a:r>
+            <a:r>
+              <a:rPr lang="en-IN" dirty="0"/>
+              <a:t>, MongoDB Atlas – please confirm what you used)</a:t>
             </a:r>
           </a:p>
           <a:p>
